--- a/FloodMappingWorkshopIII.pptx
+++ b/FloodMappingWorkshopIII.pptx
@@ -6,8 +6,9 @@
   </p:sldMasterIdLst>
   <p:sldIdLst>
     <p:sldId id="257" r:id="rId2"/>
-    <p:sldId id="258" r:id="rId3"/>
-    <p:sldId id="259" r:id="rId4"/>
+    <p:sldId id="260" r:id="rId3"/>
+    <p:sldId id="258" r:id="rId4"/>
+    <p:sldId id="259" r:id="rId5"/>
   </p:sldIdLst>
   <p:sldSz cx="9144000" cy="6858000" type="screen4x3"/>
   <p:notesSz cx="6858000" cy="9144000"/>
@@ -3316,7 +3317,7 @@
           <a:p>
             <a:r>
               <a:rPr lang="en-US" dirty="0" smtClean="0"/>
-              <a:t>Pre-requisites</a:t>
+              <a:t>Goals</a:t>
             </a:r>
             <a:endParaRPr lang="en-US" dirty="0"/>
           </a:p>
@@ -3339,67 +3340,13 @@
           <a:p>
             <a:r>
               <a:rPr lang="en-US" dirty="0" smtClean="0"/>
-              <a:t>Publisher running locally or remotely</a:t>
+              <a:t>Test Consumer API Example</a:t>
             </a:r>
           </a:p>
           <a:p>
             <a:r>
               <a:rPr lang="en-US" dirty="0" smtClean="0"/>
-              <a:t>Facebook Consumer Application Registration</a:t>
-            </a:r>
-          </a:p>
-          <a:p>
-            <a:pPr lvl="1"/>
-            <a:r>
-              <a:rPr lang="en-US" dirty="0" smtClean="0"/>
-              <a:t>ID, Secret</a:t>
-            </a:r>
-          </a:p>
-          <a:p>
-            <a:r>
-              <a:rPr lang="en-US" dirty="0" smtClean="0"/>
-              <a:t>Register Consumer at the Publisher Node</a:t>
-            </a:r>
-          </a:p>
-          <a:p>
-            <a:r>
-              <a:rPr lang="en-US" dirty="0" err="1" smtClean="0"/>
-              <a:t>Node.js</a:t>
-            </a:r>
-            <a:endParaRPr lang="en-US" dirty="0" smtClean="0"/>
-          </a:p>
-          <a:p>
-            <a:r>
-              <a:rPr lang="en-US" dirty="0"/>
-              <a:t>https://</a:t>
-            </a:r>
-            <a:r>
-              <a:rPr lang="en-US" dirty="0" err="1"/>
-              <a:t>github.com</a:t>
-            </a:r>
-            <a:r>
-              <a:rPr lang="en-US" dirty="0"/>
-              <a:t>/</a:t>
-            </a:r>
-            <a:r>
-              <a:rPr lang="en-US" dirty="0" err="1"/>
-              <a:t>vightel</a:t>
-            </a:r>
-            <a:r>
-              <a:rPr lang="en-US" dirty="0"/>
-              <a:t>/</a:t>
-            </a:r>
-            <a:r>
-              <a:rPr lang="en-US" dirty="0" err="1"/>
-              <a:t>ojo</a:t>
-            </a:r>
-            <a:r>
-              <a:rPr lang="en-US" dirty="0"/>
-              <a:t>-doc/blob/master/</a:t>
-            </a:r>
-            <a:r>
-              <a:rPr lang="en-US" dirty="0" err="1"/>
-              <a:t>consumer_guide.md</a:t>
+              <a:t>Connect securely to Publisher and retrieve result of an OpenSearch</a:t>
             </a:r>
             <a:endParaRPr lang="en-US" dirty="0"/>
           </a:p>
@@ -3408,7 +3355,7 @@
     </p:spTree>
     <p:extLst>
       <p:ext uri="{BB962C8B-B14F-4D97-AF65-F5344CB8AC3E}">
-        <p14:creationId xmlns:p14="http://schemas.microsoft.com/office/powerpoint/2010/main" val="1556214882"/>
+        <p14:creationId xmlns:p14="http://schemas.microsoft.com/office/powerpoint/2010/main" val="649881286"/>
       </p:ext>
     </p:extLst>
   </p:cSld>
@@ -3452,6 +3399,161 @@
           <a:p>
             <a:r>
               <a:rPr lang="en-US" dirty="0" smtClean="0"/>
+              <a:t>Pre-requisites</a:t>
+            </a:r>
+            <a:endParaRPr lang="en-US" dirty="0"/>
+          </a:p>
+        </p:txBody>
+      </p:sp>
+      <p:sp>
+        <p:nvSpPr>
+          <p:cNvPr id="3" name="Content Placeholder 2"/>
+          <p:cNvSpPr>
+            <a:spLocks noGrp="1"/>
+          </p:cNvSpPr>
+          <p:nvPr>
+            <p:ph idx="1"/>
+          </p:nvPr>
+        </p:nvSpPr>
+        <p:spPr/>
+        <p:txBody>
+          <a:bodyPr/>
+          <a:lstStyle/>
+          <a:p>
+            <a:r>
+              <a:rPr lang="en-US" dirty="0" smtClean="0"/>
+              <a:t>Publisher running locally or remotely</a:t>
+            </a:r>
+          </a:p>
+          <a:p>
+            <a:r>
+              <a:rPr lang="en-US" dirty="0" smtClean="0"/>
+              <a:t>Facebook Consumer Application Registration</a:t>
+            </a:r>
+          </a:p>
+          <a:p>
+            <a:pPr lvl="1"/>
+            <a:r>
+              <a:rPr lang="en-US" dirty="0" smtClean="0"/>
+              <a:t>ID, Secret</a:t>
+            </a:r>
+          </a:p>
+          <a:p>
+            <a:r>
+              <a:rPr lang="en-US" dirty="0" smtClean="0"/>
+              <a:t>Register Consumer at the Publisher Node</a:t>
+            </a:r>
+          </a:p>
+          <a:p>
+            <a:r>
+              <a:rPr lang="en-US" dirty="0" smtClean="0"/>
+              <a:t>Need </a:t>
+            </a:r>
+            <a:r>
+              <a:rPr lang="en-US" dirty="0" err="1" smtClean="0"/>
+              <a:t>Node.js</a:t>
+            </a:r>
+            <a:r>
+              <a:rPr lang="en-US" dirty="0" smtClean="0"/>
+              <a:t> installed and running locally</a:t>
+            </a:r>
+            <a:endParaRPr lang="en-US" dirty="0" smtClean="0"/>
+          </a:p>
+          <a:p>
+            <a:r>
+              <a:rPr lang="en-US" dirty="0" smtClean="0"/>
+              <a:t>More info</a:t>
+            </a:r>
+          </a:p>
+          <a:p>
+            <a:pPr lvl="1"/>
+            <a:r>
+              <a:rPr lang="en-US" sz="2000" dirty="0" smtClean="0"/>
+              <a:t>https</a:t>
+            </a:r>
+            <a:r>
+              <a:rPr lang="en-US" sz="2000" dirty="0"/>
+              <a:t>://</a:t>
+            </a:r>
+            <a:r>
+              <a:rPr lang="en-US" sz="2000" dirty="0" err="1"/>
+              <a:t>github.com</a:t>
+            </a:r>
+            <a:r>
+              <a:rPr lang="en-US" sz="2000" dirty="0"/>
+              <a:t>/</a:t>
+            </a:r>
+            <a:r>
+              <a:rPr lang="en-US" sz="2000" dirty="0" err="1"/>
+              <a:t>vightel</a:t>
+            </a:r>
+            <a:r>
+              <a:rPr lang="en-US" sz="2000" dirty="0"/>
+              <a:t>/</a:t>
+            </a:r>
+            <a:r>
+              <a:rPr lang="en-US" sz="2000" dirty="0" err="1"/>
+              <a:t>ojo</a:t>
+            </a:r>
+            <a:r>
+              <a:rPr lang="en-US" sz="2000" dirty="0"/>
+              <a:t>-doc/blob/master/</a:t>
+            </a:r>
+            <a:r>
+              <a:rPr lang="en-US" sz="2000" dirty="0" err="1"/>
+              <a:t>consumer_guide.md</a:t>
+            </a:r>
+            <a:endParaRPr lang="en-US" sz="2000" dirty="0"/>
+          </a:p>
+        </p:txBody>
+      </p:sp>
+    </p:spTree>
+    <p:extLst>
+      <p:ext uri="{BB962C8B-B14F-4D97-AF65-F5344CB8AC3E}">
+        <p14:creationId xmlns:p14="http://schemas.microsoft.com/office/powerpoint/2010/main" val="1556214882"/>
+      </p:ext>
+    </p:extLst>
+  </p:cSld>
+  <p:clrMapOvr>
+    <a:masterClrMapping/>
+  </p:clrMapOvr>
+</p:sld>
+</file>
+
+<file path=ppt/slides/slide4.xml><?xml version="1.0" encoding="utf-8"?>
+<p:sld xmlns:a="http://schemas.openxmlformats.org/drawingml/2006/main" xmlns:r="http://schemas.openxmlformats.org/officeDocument/2006/relationships" xmlns:p="http://schemas.openxmlformats.org/presentationml/2006/main">
+  <p:cSld>
+    <p:spTree>
+      <p:nvGrpSpPr>
+        <p:cNvPr id="1" name=""/>
+        <p:cNvGrpSpPr/>
+        <p:nvPr/>
+      </p:nvGrpSpPr>
+      <p:grpSpPr>
+        <a:xfrm>
+          <a:off x="0" y="0"/>
+          <a:ext cx="0" cy="0"/>
+          <a:chOff x="0" y="0"/>
+          <a:chExt cx="0" cy="0"/>
+        </a:xfrm>
+      </p:grpSpPr>
+      <p:sp>
+        <p:nvSpPr>
+          <p:cNvPr id="2" name="Title 1"/>
+          <p:cNvSpPr>
+            <a:spLocks noGrp="1"/>
+          </p:cNvSpPr>
+          <p:nvPr>
+            <p:ph type="title"/>
+          </p:nvPr>
+        </p:nvSpPr>
+        <p:spPr/>
+        <p:txBody>
+          <a:bodyPr/>
+          <a:lstStyle/>
+          <a:p>
+            <a:r>
+              <a:rPr lang="en-US" dirty="0" smtClean="0"/>
               <a:t>Get Code and Customize it</a:t>
             </a:r>
             <a:endParaRPr lang="en-US" dirty="0"/>
@@ -3587,8 +3689,12 @@
           <a:p>
             <a:pPr lvl="1"/>
             <a:r>
+              <a:rPr lang="en-US" dirty="0"/>
+              <a:t>n</a:t>
+            </a:r>
+            <a:r>
               <a:rPr lang="en-US" dirty="0" smtClean="0"/>
-              <a:t>Node </a:t>
+              <a:t>ode </a:t>
             </a:r>
             <a:r>
               <a:rPr lang="en-US" dirty="0" err="1" smtClean="0"/>

--- a/FloodMappingWorkshopIII.pptx
+++ b/FloodMappingWorkshopIII.pptx
@@ -9,6 +9,8 @@
     <p:sldId id="260" r:id="rId3"/>
     <p:sldId id="258" r:id="rId4"/>
     <p:sldId id="259" r:id="rId5"/>
+    <p:sldId id="261" r:id="rId6"/>
+    <p:sldId id="262" r:id="rId7"/>
   </p:sldIdLst>
   <p:sldSz cx="9144000" cy="6858000" type="screen4x3"/>
   <p:notesSz cx="6858000" cy="9144000"/>
@@ -291,7 +293,7 @@
           <a:p>
             <a:fld id="{00470D26-33B2-C54F-862D-A0364FE35CC4}" type="datetimeFigureOut">
               <a:rPr lang="en-US" smtClean="0"/>
-              <a:t>9/19/14</a:t>
+              <a:t>9/23/14</a:t>
             </a:fld>
             <a:endParaRPr lang="en-US"/>
           </a:p>
@@ -461,7 +463,7 @@
           <a:p>
             <a:fld id="{00470D26-33B2-C54F-862D-A0364FE35CC4}" type="datetimeFigureOut">
               <a:rPr lang="en-US" smtClean="0"/>
-              <a:t>9/19/14</a:t>
+              <a:t>9/23/14</a:t>
             </a:fld>
             <a:endParaRPr lang="en-US"/>
           </a:p>
@@ -641,7 +643,7 @@
           <a:p>
             <a:fld id="{00470D26-33B2-C54F-862D-A0364FE35CC4}" type="datetimeFigureOut">
               <a:rPr lang="en-US" smtClean="0"/>
-              <a:t>9/19/14</a:t>
+              <a:t>9/23/14</a:t>
             </a:fld>
             <a:endParaRPr lang="en-US"/>
           </a:p>
@@ -811,7 +813,7 @@
           <a:p>
             <a:fld id="{00470D26-33B2-C54F-862D-A0364FE35CC4}" type="datetimeFigureOut">
               <a:rPr lang="en-US" smtClean="0"/>
-              <a:t>9/19/14</a:t>
+              <a:t>9/23/14</a:t>
             </a:fld>
             <a:endParaRPr lang="en-US"/>
           </a:p>
@@ -1057,7 +1059,7 @@
           <a:p>
             <a:fld id="{00470D26-33B2-C54F-862D-A0364FE35CC4}" type="datetimeFigureOut">
               <a:rPr lang="en-US" smtClean="0"/>
-              <a:t>9/19/14</a:t>
+              <a:t>9/23/14</a:t>
             </a:fld>
             <a:endParaRPr lang="en-US"/>
           </a:p>
@@ -1345,7 +1347,7 @@
           <a:p>
             <a:fld id="{00470D26-33B2-C54F-862D-A0364FE35CC4}" type="datetimeFigureOut">
               <a:rPr lang="en-US" smtClean="0"/>
-              <a:t>9/19/14</a:t>
+              <a:t>9/23/14</a:t>
             </a:fld>
             <a:endParaRPr lang="en-US"/>
           </a:p>
@@ -1767,7 +1769,7 @@
           <a:p>
             <a:fld id="{00470D26-33B2-C54F-862D-A0364FE35CC4}" type="datetimeFigureOut">
               <a:rPr lang="en-US" smtClean="0"/>
-              <a:t>9/19/14</a:t>
+              <a:t>9/23/14</a:t>
             </a:fld>
             <a:endParaRPr lang="en-US"/>
           </a:p>
@@ -1885,7 +1887,7 @@
           <a:p>
             <a:fld id="{00470D26-33B2-C54F-862D-A0364FE35CC4}" type="datetimeFigureOut">
               <a:rPr lang="en-US" smtClean="0"/>
-              <a:t>9/19/14</a:t>
+              <a:t>9/23/14</a:t>
             </a:fld>
             <a:endParaRPr lang="en-US"/>
           </a:p>
@@ -1980,7 +1982,7 @@
           <a:p>
             <a:fld id="{00470D26-33B2-C54F-862D-A0364FE35CC4}" type="datetimeFigureOut">
               <a:rPr lang="en-US" smtClean="0"/>
-              <a:t>9/19/14</a:t>
+              <a:t>9/23/14</a:t>
             </a:fld>
             <a:endParaRPr lang="en-US"/>
           </a:p>
@@ -2257,7 +2259,7 @@
           <a:p>
             <a:fld id="{00470D26-33B2-C54F-862D-A0364FE35CC4}" type="datetimeFigureOut">
               <a:rPr lang="en-US" smtClean="0"/>
-              <a:t>9/19/14</a:t>
+              <a:t>9/23/14</a:t>
             </a:fld>
             <a:endParaRPr lang="en-US"/>
           </a:p>
@@ -2510,7 +2512,7 @@
           <a:p>
             <a:fld id="{00470D26-33B2-C54F-862D-A0364FE35CC4}" type="datetimeFigureOut">
               <a:rPr lang="en-US" smtClean="0"/>
-              <a:t>9/19/14</a:t>
+              <a:t>9/23/14</a:t>
             </a:fld>
             <a:endParaRPr lang="en-US"/>
           </a:p>
@@ -2723,7 +2725,7 @@
           <a:p>
             <a:fld id="{00470D26-33B2-C54F-862D-A0364FE35CC4}" type="datetimeFigureOut">
               <a:rPr lang="en-US" smtClean="0"/>
-              <a:t>9/19/14</a:t>
+              <a:t>9/23/14</a:t>
             </a:fld>
             <a:endParaRPr lang="en-US"/>
           </a:p>
@@ -3110,8 +3112,8 @@
         </p:nvSpPr>
         <p:spPr>
           <a:xfrm>
-            <a:off x="841625" y="2684607"/>
-            <a:ext cx="7772400" cy="1470025"/>
+            <a:off x="1878814" y="2667209"/>
+            <a:ext cx="6369885" cy="1470025"/>
           </a:xfrm>
         </p:spPr>
         <p:txBody>
@@ -3128,7 +3130,7 @@
               <a:rPr lang="en-US" dirty="0" smtClean="0"/>
             </a:br>
             <a:r>
-              <a:rPr lang="en-US" smtClean="0"/>
+              <a:rPr lang="en-US" dirty="0" smtClean="0"/>
               <a:t>Consumer App</a:t>
             </a:r>
             <a:endParaRPr lang="en-US" sz="2000" dirty="0"/>
@@ -3263,6 +3265,101 @@
           </a:prstGeom>
         </p:spPr>
       </p:pic>
+      <p:pic>
+        <p:nvPicPr>
+          <p:cNvPr id="7" name="Picture 6"/>
+          <p:cNvPicPr>
+            <a:picLocks noChangeAspect="1"/>
+          </p:cNvPicPr>
+          <p:nvPr/>
+        </p:nvPicPr>
+        <p:blipFill rotWithShape="1">
+          <a:blip r:embed="rId6"/>
+          <a:srcRect/>
+          <a:stretch/>
+        </p:blipFill>
+        <p:spPr>
+          <a:xfrm>
+            <a:off x="263768" y="1627554"/>
+            <a:ext cx="1155714" cy="1173494"/>
+          </a:xfrm>
+          <a:prstGeom prst="rect">
+            <a:avLst/>
+          </a:prstGeom>
+        </p:spPr>
+      </p:pic>
+      <p:pic>
+        <p:nvPicPr>
+          <p:cNvPr id="8" name="Picture 7"/>
+          <p:cNvPicPr>
+            <a:picLocks noChangeAspect="1"/>
+          </p:cNvPicPr>
+          <p:nvPr/>
+        </p:nvPicPr>
+        <p:blipFill>
+          <a:blip r:embed="rId7"/>
+          <a:stretch>
+            <a:fillRect/>
+          </a:stretch>
+        </p:blipFill>
+        <p:spPr>
+          <a:xfrm>
+            <a:off x="244659" y="2945275"/>
+            <a:ext cx="1155714" cy="1051063"/>
+          </a:xfrm>
+          <a:prstGeom prst="rect">
+            <a:avLst/>
+          </a:prstGeom>
+        </p:spPr>
+      </p:pic>
+      <p:pic>
+        <p:nvPicPr>
+          <p:cNvPr id="9" name="Picture 8"/>
+          <p:cNvPicPr>
+            <a:picLocks noChangeAspect="1"/>
+          </p:cNvPicPr>
+          <p:nvPr/>
+        </p:nvPicPr>
+        <p:blipFill>
+          <a:blip r:embed="rId8"/>
+          <a:stretch>
+            <a:fillRect/>
+          </a:stretch>
+        </p:blipFill>
+        <p:spPr>
+          <a:xfrm>
+            <a:off x="244659" y="4137234"/>
+            <a:ext cx="1164023" cy="1050854"/>
+          </a:xfrm>
+          <a:prstGeom prst="rect">
+            <a:avLst/>
+          </a:prstGeom>
+        </p:spPr>
+      </p:pic>
+      <p:pic>
+        <p:nvPicPr>
+          <p:cNvPr id="11" name="Picture 10"/>
+          <p:cNvPicPr>
+            <a:picLocks noChangeAspect="1"/>
+          </p:cNvPicPr>
+          <p:nvPr/>
+        </p:nvPicPr>
+        <p:blipFill>
+          <a:blip r:embed="rId9"/>
+          <a:stretch>
+            <a:fillRect/>
+          </a:stretch>
+        </p:blipFill>
+        <p:spPr>
+          <a:xfrm>
+            <a:off x="231757" y="5338196"/>
+            <a:ext cx="1168616" cy="1173164"/>
+          </a:xfrm>
+          <a:prstGeom prst="rect">
+            <a:avLst/>
+          </a:prstGeom>
+        </p:spPr>
+      </p:pic>
     </p:spTree>
     <p:extLst>
       <p:ext uri="{BB962C8B-B14F-4D97-AF65-F5344CB8AC3E}">
@@ -3346,7 +3443,25 @@
           <a:p>
             <a:r>
               <a:rPr lang="en-US" dirty="0" smtClean="0"/>
-              <a:t>Connect securely to Publisher and retrieve result of an OpenSearch</a:t>
+              <a:t>Connect securely to Publisher and retrieve result of an </a:t>
+            </a:r>
+            <a:r>
+              <a:rPr lang="en-US" dirty="0" smtClean="0"/>
+              <a:t>OpenSearch</a:t>
+            </a:r>
+          </a:p>
+          <a:p>
+            <a:r>
+              <a:rPr lang="en-US" dirty="0" smtClean="0"/>
+              <a:t>Demonstrate Ease-of-use of Open </a:t>
+            </a:r>
+            <a:r>
+              <a:rPr lang="en-US" dirty="0" err="1" smtClean="0"/>
+              <a:t>GeoSocial</a:t>
+            </a:r>
+            <a:r>
+              <a:rPr lang="en-US" dirty="0" smtClean="0"/>
+              <a:t> API</a:t>
             </a:r>
             <a:endParaRPr lang="en-US" dirty="0"/>
           </a:p>
@@ -3457,7 +3572,6 @@
               <a:rPr lang="en-US" dirty="0" smtClean="0"/>
               <a:t> installed and running locally</a:t>
             </a:r>
-            <a:endParaRPr lang="en-US" dirty="0" smtClean="0"/>
           </a:p>
           <a:p>
             <a:r>
@@ -3517,6 +3631,13 @@
   <p:clrMapOvr>
     <a:masterClrMapping/>
   </p:clrMapOvr>
+  <p:timing>
+    <p:tnLst>
+      <p:par>
+        <p:cTn xmlns:p14="http://schemas.microsoft.com/office/powerpoint/2010/main" id="1" dur="indefinite" restart="never" nodeType="tmRoot"/>
+      </p:par>
+    </p:tnLst>
+  </p:timing>
 </p:sld>
 </file>
 
@@ -3708,6 +3829,259 @@
     <p:extLst>
       <p:ext uri="{BB962C8B-B14F-4D97-AF65-F5344CB8AC3E}">
         <p14:creationId xmlns:p14="http://schemas.microsoft.com/office/powerpoint/2010/main" val="884694765"/>
+      </p:ext>
+    </p:extLst>
+  </p:cSld>
+  <p:clrMapOvr>
+    <a:masterClrMapping/>
+  </p:clrMapOvr>
+  <p:timing>
+    <p:tnLst>
+      <p:par>
+        <p:cTn xmlns:p14="http://schemas.microsoft.com/office/powerpoint/2010/main" id="1" dur="indefinite" restart="never" nodeType="tmRoot"/>
+      </p:par>
+    </p:tnLst>
+  </p:timing>
+</p:sld>
+</file>
+
+<file path=ppt/slides/slide5.xml><?xml version="1.0" encoding="utf-8"?>
+<p:sld xmlns:a="http://schemas.openxmlformats.org/drawingml/2006/main" xmlns:r="http://schemas.openxmlformats.org/officeDocument/2006/relationships" xmlns:p="http://schemas.openxmlformats.org/presentationml/2006/main">
+  <p:cSld>
+    <p:spTree>
+      <p:nvGrpSpPr>
+        <p:cNvPr id="1" name=""/>
+        <p:cNvGrpSpPr/>
+        <p:nvPr/>
+      </p:nvGrpSpPr>
+      <p:grpSpPr>
+        <a:xfrm>
+          <a:off x="0" y="0"/>
+          <a:ext cx="0" cy="0"/>
+          <a:chOff x="0" y="0"/>
+          <a:chExt cx="0" cy="0"/>
+        </a:xfrm>
+      </p:grpSpPr>
+      <p:sp>
+        <p:nvSpPr>
+          <p:cNvPr id="2" name="Title 1"/>
+          <p:cNvSpPr>
+            <a:spLocks noGrp="1"/>
+          </p:cNvSpPr>
+          <p:nvPr>
+            <p:ph type="title"/>
+          </p:nvPr>
+        </p:nvSpPr>
+        <p:spPr/>
+        <p:txBody>
+          <a:bodyPr/>
+          <a:lstStyle/>
+          <a:p>
+            <a:r>
+              <a:rPr lang="en-US" dirty="0" smtClean="0"/>
+              <a:t>TODO</a:t>
+            </a:r>
+            <a:endParaRPr lang="en-US" dirty="0"/>
+          </a:p>
+        </p:txBody>
+      </p:sp>
+      <p:sp>
+        <p:nvSpPr>
+          <p:cNvPr id="3" name="Content Placeholder 2"/>
+          <p:cNvSpPr>
+            <a:spLocks noGrp="1"/>
+          </p:cNvSpPr>
+          <p:nvPr>
+            <p:ph idx="1"/>
+          </p:nvPr>
+        </p:nvSpPr>
+        <p:spPr/>
+        <p:txBody>
+          <a:bodyPr>
+            <a:normAutofit/>
+          </a:bodyPr>
+          <a:lstStyle/>
+          <a:p>
+            <a:r>
+              <a:rPr lang="en-US" dirty="0" smtClean="0"/>
+              <a:t>Copy Publisher Query/Visualization Code to Consumer</a:t>
+            </a:r>
+          </a:p>
+          <a:p>
+            <a:r>
+              <a:rPr lang="en-US" dirty="0" smtClean="0"/>
+              <a:t>Discover New Publishers </a:t>
+            </a:r>
+          </a:p>
+          <a:p>
+            <a:pPr lvl="1"/>
+            <a:r>
+              <a:rPr lang="en-US" dirty="0" smtClean="0">
+                <a:solidFill>
+                  <a:srgbClr val="BFBFBF"/>
+                </a:solidFill>
+              </a:rPr>
+              <a:t>(FB </a:t>
+            </a:r>
+            <a:r>
+              <a:rPr lang="en-US" dirty="0" err="1" smtClean="0">
+                <a:solidFill>
+                  <a:srgbClr val="BFBFBF"/>
+                </a:solidFill>
+              </a:rPr>
+              <a:t>Opengraph</a:t>
+            </a:r>
+            <a:r>
+              <a:rPr lang="en-US" dirty="0" smtClean="0">
+                <a:solidFill>
+                  <a:srgbClr val="BFBFBF"/>
+                </a:solidFill>
+              </a:rPr>
+              <a:t> Query or GEOSS </a:t>
+            </a:r>
+            <a:r>
+              <a:rPr lang="en-US" dirty="0" err="1" smtClean="0">
+                <a:solidFill>
+                  <a:srgbClr val="BFBFBF"/>
+                </a:solidFill>
+              </a:rPr>
+              <a:t>GeoDAB</a:t>
+            </a:r>
+            <a:r>
+              <a:rPr lang="en-US" dirty="0" smtClean="0">
+                <a:solidFill>
+                  <a:srgbClr val="BFBFBF"/>
+                </a:solidFill>
+              </a:rPr>
+              <a:t>)</a:t>
+            </a:r>
+            <a:endParaRPr lang="en-US" dirty="0">
+              <a:solidFill>
+                <a:srgbClr val="BFBFBF"/>
+              </a:solidFill>
+            </a:endParaRPr>
+          </a:p>
+        </p:txBody>
+      </p:sp>
+    </p:spTree>
+    <p:extLst>
+      <p:ext uri="{BB962C8B-B14F-4D97-AF65-F5344CB8AC3E}">
+        <p14:creationId xmlns:p14="http://schemas.microsoft.com/office/powerpoint/2010/main" val="4101078178"/>
+      </p:ext>
+    </p:extLst>
+  </p:cSld>
+  <p:clrMapOvr>
+    <a:masterClrMapping/>
+  </p:clrMapOvr>
+  <p:timing>
+    <p:tnLst>
+      <p:par>
+        <p:cTn xmlns:p14="http://schemas.microsoft.com/office/powerpoint/2010/main" id="1" dur="indefinite" restart="never" nodeType="tmRoot"/>
+      </p:par>
+    </p:tnLst>
+  </p:timing>
+</p:sld>
+</file>
+
+<file path=ppt/slides/slide6.xml><?xml version="1.0" encoding="utf-8"?>
+<p:sld xmlns:a="http://schemas.openxmlformats.org/drawingml/2006/main" xmlns:r="http://schemas.openxmlformats.org/officeDocument/2006/relationships" xmlns:p="http://schemas.openxmlformats.org/presentationml/2006/main">
+  <p:cSld>
+    <p:spTree>
+      <p:nvGrpSpPr>
+        <p:cNvPr id="1" name=""/>
+        <p:cNvGrpSpPr/>
+        <p:nvPr/>
+      </p:nvGrpSpPr>
+      <p:grpSpPr>
+        <a:xfrm>
+          <a:off x="0" y="0"/>
+          <a:ext cx="0" cy="0"/>
+          <a:chOff x="0" y="0"/>
+          <a:chExt cx="0" cy="0"/>
+        </a:xfrm>
+      </p:grpSpPr>
+      <p:sp>
+        <p:nvSpPr>
+          <p:cNvPr id="2" name="Title 1"/>
+          <p:cNvSpPr>
+            <a:spLocks noGrp="1"/>
+          </p:cNvSpPr>
+          <p:nvPr>
+            <p:ph type="title"/>
+          </p:nvPr>
+        </p:nvSpPr>
+        <p:spPr/>
+        <p:txBody>
+          <a:bodyPr/>
+          <a:lstStyle/>
+          <a:p>
+            <a:r>
+              <a:rPr lang="en-US" dirty="0" smtClean="0"/>
+              <a:t>Part III Goals</a:t>
+            </a:r>
+            <a:endParaRPr lang="en-US" dirty="0"/>
+          </a:p>
+        </p:txBody>
+      </p:sp>
+      <p:sp>
+        <p:nvSpPr>
+          <p:cNvPr id="3" name="Content Placeholder 2"/>
+          <p:cNvSpPr>
+            <a:spLocks noGrp="1"/>
+          </p:cNvSpPr>
+          <p:nvPr>
+            <p:ph idx="1"/>
+          </p:nvPr>
+        </p:nvSpPr>
+        <p:spPr/>
+        <p:txBody>
+          <a:bodyPr/>
+          <a:lstStyle/>
+          <a:p>
+            <a:r>
+              <a:rPr lang="en-US" dirty="0" smtClean="0"/>
+              <a:t>Demonstrate Ease-of-use of Open </a:t>
+            </a:r>
+            <a:r>
+              <a:rPr lang="en-US" dirty="0" err="1" smtClean="0"/>
+              <a:t>GeoSocial</a:t>
+            </a:r>
+            <a:r>
+              <a:rPr lang="en-US" dirty="0" smtClean="0"/>
+              <a:t> API</a:t>
+            </a:r>
+            <a:endParaRPr lang="en-US" dirty="0"/>
+          </a:p>
+        </p:txBody>
+      </p:sp>
+      <p:pic>
+        <p:nvPicPr>
+          <p:cNvPr id="4" name="Picture 3"/>
+          <p:cNvPicPr>
+            <a:picLocks noChangeAspect="1"/>
+          </p:cNvPicPr>
+          <p:nvPr/>
+        </p:nvPicPr>
+        <p:blipFill>
+          <a:blip r:embed="rId2"/>
+          <a:stretch>
+            <a:fillRect/>
+          </a:stretch>
+        </p:blipFill>
+        <p:spPr>
+          <a:xfrm>
+            <a:off x="6171943" y="2456576"/>
+            <a:ext cx="1422400" cy="1231900"/>
+          </a:xfrm>
+          <a:prstGeom prst="rect">
+            <a:avLst/>
+          </a:prstGeom>
+        </p:spPr>
+      </p:pic>
+    </p:spTree>
+    <p:extLst>
+      <p:ext uri="{BB962C8B-B14F-4D97-AF65-F5344CB8AC3E}">
+        <p14:creationId xmlns:p14="http://schemas.microsoft.com/office/powerpoint/2010/main" val="1200941325"/>
       </p:ext>
     </p:extLst>
   </p:cSld>

--- a/FloodMappingWorkshopIII.pptx
+++ b/FloodMappingWorkshopIII.pptx
@@ -293,7 +293,7 @@
           <a:p>
             <a:fld id="{00470D26-33B2-C54F-862D-A0364FE35CC4}" type="datetimeFigureOut">
               <a:rPr lang="en-US" smtClean="0"/>
-              <a:t>9/23/14</a:t>
+              <a:t>3/6/15</a:t>
             </a:fld>
             <a:endParaRPr lang="en-US"/>
           </a:p>
@@ -463,7 +463,7 @@
           <a:p>
             <a:fld id="{00470D26-33B2-C54F-862D-A0364FE35CC4}" type="datetimeFigureOut">
               <a:rPr lang="en-US" smtClean="0"/>
-              <a:t>9/23/14</a:t>
+              <a:t>3/6/15</a:t>
             </a:fld>
             <a:endParaRPr lang="en-US"/>
           </a:p>
@@ -643,7 +643,7 @@
           <a:p>
             <a:fld id="{00470D26-33B2-C54F-862D-A0364FE35CC4}" type="datetimeFigureOut">
               <a:rPr lang="en-US" smtClean="0"/>
-              <a:t>9/23/14</a:t>
+              <a:t>3/6/15</a:t>
             </a:fld>
             <a:endParaRPr lang="en-US"/>
           </a:p>
@@ -813,7 +813,7 @@
           <a:p>
             <a:fld id="{00470D26-33B2-C54F-862D-A0364FE35CC4}" type="datetimeFigureOut">
               <a:rPr lang="en-US" smtClean="0"/>
-              <a:t>9/23/14</a:t>
+              <a:t>3/6/15</a:t>
             </a:fld>
             <a:endParaRPr lang="en-US"/>
           </a:p>
@@ -1059,7 +1059,7 @@
           <a:p>
             <a:fld id="{00470D26-33B2-C54F-862D-A0364FE35CC4}" type="datetimeFigureOut">
               <a:rPr lang="en-US" smtClean="0"/>
-              <a:t>9/23/14</a:t>
+              <a:t>3/6/15</a:t>
             </a:fld>
             <a:endParaRPr lang="en-US"/>
           </a:p>
@@ -1347,7 +1347,7 @@
           <a:p>
             <a:fld id="{00470D26-33B2-C54F-862D-A0364FE35CC4}" type="datetimeFigureOut">
               <a:rPr lang="en-US" smtClean="0"/>
-              <a:t>9/23/14</a:t>
+              <a:t>3/6/15</a:t>
             </a:fld>
             <a:endParaRPr lang="en-US"/>
           </a:p>
@@ -1769,7 +1769,7 @@
           <a:p>
             <a:fld id="{00470D26-33B2-C54F-862D-A0364FE35CC4}" type="datetimeFigureOut">
               <a:rPr lang="en-US" smtClean="0"/>
-              <a:t>9/23/14</a:t>
+              <a:t>3/6/15</a:t>
             </a:fld>
             <a:endParaRPr lang="en-US"/>
           </a:p>
@@ -1887,7 +1887,7 @@
           <a:p>
             <a:fld id="{00470D26-33B2-C54F-862D-A0364FE35CC4}" type="datetimeFigureOut">
               <a:rPr lang="en-US" smtClean="0"/>
-              <a:t>9/23/14</a:t>
+              <a:t>3/6/15</a:t>
             </a:fld>
             <a:endParaRPr lang="en-US"/>
           </a:p>
@@ -1982,7 +1982,7 @@
           <a:p>
             <a:fld id="{00470D26-33B2-C54F-862D-A0364FE35CC4}" type="datetimeFigureOut">
               <a:rPr lang="en-US" smtClean="0"/>
-              <a:t>9/23/14</a:t>
+              <a:t>3/6/15</a:t>
             </a:fld>
             <a:endParaRPr lang="en-US"/>
           </a:p>
@@ -2259,7 +2259,7 @@
           <a:p>
             <a:fld id="{00470D26-33B2-C54F-862D-A0364FE35CC4}" type="datetimeFigureOut">
               <a:rPr lang="en-US" smtClean="0"/>
-              <a:t>9/23/14</a:t>
+              <a:t>3/6/15</a:t>
             </a:fld>
             <a:endParaRPr lang="en-US"/>
           </a:p>
@@ -2512,7 +2512,7 @@
           <a:p>
             <a:fld id="{00470D26-33B2-C54F-862D-A0364FE35CC4}" type="datetimeFigureOut">
               <a:rPr lang="en-US" smtClean="0"/>
-              <a:t>9/23/14</a:t>
+              <a:t>3/6/15</a:t>
             </a:fld>
             <a:endParaRPr lang="en-US"/>
           </a:p>
@@ -2725,7 +2725,7 @@
           <a:p>
             <a:fld id="{00470D26-33B2-C54F-862D-A0364FE35CC4}" type="datetimeFigureOut">
               <a:rPr lang="en-US" smtClean="0"/>
-              <a:t>9/23/14</a:t>
+              <a:t>3/6/15</a:t>
             </a:fld>
             <a:endParaRPr lang="en-US"/>
           </a:p>
@@ -3161,36 +3161,30 @@
           <a:p>
             <a:r>
               <a:rPr lang="en-US" sz="2000" dirty="0" smtClean="0"/>
-              <a:t>Pat Cappelaere / Stu Frye</a:t>
-            </a:r>
+              <a:t>Pat Cappelaere </a:t>
+            </a:r>
+            <a:endParaRPr lang="en-US" sz="2000" dirty="0" smtClean="0"/>
           </a:p>
           <a:p>
             <a:r>
               <a:rPr lang="en-US" sz="2000" dirty="0" smtClean="0">
                 <a:hlinkClick r:id="rId2"/>
               </a:rPr>
-              <a:t>pat@cappelaere.com</a:t>
+              <a:t>pat</a:t>
+            </a:r>
+            <a:r>
+              <a:rPr lang="en-US" sz="2000" dirty="0" smtClean="0">
+                <a:hlinkClick r:id="rId2"/>
+              </a:rPr>
+              <a:t>@</a:t>
+            </a:r>
+            <a:r>
+              <a:rPr lang="en-US" sz="2000" dirty="0" smtClean="0">
+                <a:hlinkClick r:id="rId2"/>
+              </a:rPr>
+              <a:t>cappelaere.com</a:t>
             </a:r>
             <a:endParaRPr lang="en-US" sz="2000" dirty="0" smtClean="0"/>
-          </a:p>
-          <a:p>
-            <a:r>
-              <a:rPr lang="en-US" sz="2000" dirty="0">
-                <a:hlinkClick r:id="rId3"/>
-              </a:rPr>
-              <a:t>stuart.w.frye@</a:t>
-            </a:r>
-            <a:r>
-              <a:rPr lang="en-US" sz="2000" dirty="0" smtClean="0">
-                <a:hlinkClick r:id="rId3"/>
-              </a:rPr>
-              <a:t>nasa.gov</a:t>
-            </a:r>
-            <a:r>
-              <a:rPr lang="en-US" sz="2000" dirty="0" smtClean="0"/>
-              <a:t> </a:t>
-            </a:r>
-            <a:endParaRPr lang="en-US" sz="2000" dirty="0"/>
           </a:p>
         </p:txBody>
       </p:sp>
@@ -3226,7 +3220,7 @@
           <p:nvPr/>
         </p:nvPicPr>
         <p:blipFill>
-          <a:blip r:embed="rId4"/>
+          <a:blip r:embed="rId3"/>
           <a:stretch>
             <a:fillRect/>
           </a:stretch>
@@ -3250,7 +3244,7 @@
           <p:nvPr/>
         </p:nvPicPr>
         <p:blipFill>
-          <a:blip r:embed="rId5"/>
+          <a:blip r:embed="rId4"/>
           <a:stretch>
             <a:fillRect/>
           </a:stretch>
@@ -3274,7 +3268,7 @@
           <p:nvPr/>
         </p:nvPicPr>
         <p:blipFill rotWithShape="1">
-          <a:blip r:embed="rId6"/>
+          <a:blip r:embed="rId5"/>
           <a:srcRect/>
           <a:stretch/>
         </p:blipFill>
@@ -3297,7 +3291,7 @@
           <p:nvPr/>
         </p:nvPicPr>
         <p:blipFill>
-          <a:blip r:embed="rId7"/>
+          <a:blip r:embed="rId6"/>
           <a:stretch>
             <a:fillRect/>
           </a:stretch>
@@ -3321,7 +3315,7 @@
           <p:nvPr/>
         </p:nvPicPr>
         <p:blipFill>
-          <a:blip r:embed="rId8"/>
+          <a:blip r:embed="rId7"/>
           <a:stretch>
             <a:fillRect/>
           </a:stretch>
@@ -3345,7 +3339,7 @@
           <p:nvPr/>
         </p:nvPicPr>
         <p:blipFill>
-          <a:blip r:embed="rId9"/>
+          <a:blip r:embed="rId8"/>
           <a:stretch>
             <a:fillRect/>
           </a:stretch>
@@ -3443,11 +3437,7 @@
           <a:p>
             <a:r>
               <a:rPr lang="en-US" dirty="0" smtClean="0"/>
-              <a:t>Connect securely to Publisher and retrieve result of an </a:t>
-            </a:r>
-            <a:r>
-              <a:rPr lang="en-US" dirty="0" smtClean="0"/>
-              <a:t>OpenSearch</a:t>
+              <a:t>Connect securely to Publisher and retrieve result of an OpenSearch</a:t>
             </a:r>
           </a:p>
           <a:p>
